--- a/2025/2025-02-07-AI-Updates.pptx
+++ b/2025/2025-02-07-AI-Updates.pptx
@@ -16476,6 +16476,19 @@
               <a:buNone/>
             </a:pPr>
             <a:r>
+              <a:rPr lang="en" sz="900" u="sng">
+                <a:solidFill>
+                  <a:schemeClr val="hlink"/>
+                </a:solidFill>
+                <a:latin typeface="Calibri"/>
+                <a:ea typeface="Calibri"/>
+                <a:cs typeface="Calibri"/>
+                <a:sym typeface="Calibri"/>
+                <a:hlinkClick r:id="rId9"/>
+              </a:rPr>
+              <a:t>https://techcrunch.com/2025/02/04/figure-drops-openai-in-favor-of-in-house-models/</a:t>
+            </a:r>
+            <a:r>
               <a:rPr lang="en" sz="900">
                 <a:solidFill>
                   <a:schemeClr val="dk1"/>
@@ -16485,7 +16498,7 @@
                 <a:cs typeface="Calibri"/>
                 <a:sym typeface="Calibri"/>
               </a:rPr>
-              <a:t>https://techcrunch.com/2025/02/04/figure-drops-openai-in-favor-of-in-house-models/</a:t>
+              <a:t> </a:t>
             </a:r>
             <a:endParaRPr sz="900">
               <a:solidFill>
